--- a/Project1_team3.pptx
+++ b/Project1_team3.pptx
@@ -19,16 +19,17 @@
     <p:sldId id="264" r:id="rId14"/>
     <p:sldId id="265" r:id="rId15"/>
     <p:sldId id="266" r:id="rId16"/>
+    <p:sldId id="267" r:id="rId17"/>
   </p:sldIdLst>
   <p:sldSz cy="5143500" cx="9144000"/>
   <p:notesSz cx="6858000" cy="9144000"/>
   <p:embeddedFontLst>
     <p:embeddedFont>
       <p:font typeface="Roboto"/>
-      <p:regular r:id="rId17"/>
-      <p:bold r:id="rId18"/>
-      <p:italic r:id="rId19"/>
-      <p:boldItalic r:id="rId20"/>
+      <p:regular r:id="rId18"/>
+      <p:bold r:id="rId19"/>
+      <p:italic r:id="rId20"/>
+      <p:boldItalic r:id="rId21"/>
     </p:embeddedFont>
   </p:embeddedFontLst>
   <p:defaultTextStyle>
@@ -1079,7 +1080,7 @@
                   <a:schemeClr val="lt1"/>
                 </a:highlight>
               </a:rPr>
-              <a:t>There are seven state in the US that stand out as potential deserts with Arizona and Colorado standing out due to the low availability of services other than outpatient in Arizona and long wait times in Colorado. We recommend a deeper study in these states to identify the demographics of those getting treatment along with the cost across ownership of the facilities. We would also recommend an effort to gain additional federal funding to increase the overall capacity of available beds in all 7 states identified as potential deserts.</a:t>
+              <a:t>There are six state in the US that stand out as potential deserts with Arizona and Colorado standing out due to the low availability of services other than outpatient in Arizona and long wait times in Colorado. We recommend a deeper study in these states to identify the demographics of those getting treatment along with the cost across ownership of the facilities. We would also recommend an effort to gain additional federal funding to increase the overall capacity of available beds in all 6 states identified as potential deserts.</a:t>
             </a:r>
             <a:endParaRPr sz="1050">
               <a:solidFill>
@@ -1137,6 +1138,105 @@
                 <a:schemeClr val="lt1"/>
               </a:highlight>
             </a:endParaRPr>
+          </a:p>
+        </p:txBody>
+      </p:sp>
+    </p:spTree>
+  </p:cSld>
+  <p:clrMapOvr>
+    <a:masterClrMapping/>
+  </p:clrMapOvr>
+</p:notes>
+</file>
+
+<file path=ppt/notesSlides/notesSlide12.xml><?xml version="1.0" encoding="utf-8"?>
+<p:notes xmlns:a="http://schemas.openxmlformats.org/drawingml/2006/main" xmlns:r="http://schemas.openxmlformats.org/officeDocument/2006/relationships" xmlns:mc="http://schemas.openxmlformats.org/markup-compatibility/2006" xmlns:mv="urn:schemas-microsoft-com:mac:vml" xmlns:p="http://schemas.openxmlformats.org/presentationml/2006/main" xmlns:c="http://schemas.openxmlformats.org/drawingml/2006/chart" xmlns:dgm="http://schemas.openxmlformats.org/drawingml/2006/diagram" xmlns:o="urn:schemas-microsoft-com:office:office" xmlns:v="urn:schemas-microsoft-com:vml" xmlns:pvml="urn:schemas-microsoft-com:office:powerpoint" xmlns:com="http://schemas.openxmlformats.org/drawingml/2006/compatibility" xmlns:p14="http://schemas.microsoft.com/office/powerpoint/2010/main" xmlns:p15="http://schemas.microsoft.com/office/powerpoint/2012/main" xmlns:ahyp="http://schemas.microsoft.com/office/drawing/2018/hyperlinkcolor" showMasterPhAnim="0" showMasterSp="0">
+  <p:cSld>
+    <p:spTree>
+      <p:nvGrpSpPr>
+        <p:cNvPr id="131" name="Shape 131"/>
+        <p:cNvGrpSpPr/>
+        <p:nvPr/>
+      </p:nvGrpSpPr>
+      <p:grpSpPr>
+        <a:xfrm>
+          <a:off x="0" y="0"/>
+          <a:ext cx="0" cy="0"/>
+          <a:chOff x="0" y="0"/>
+          <a:chExt cx="0" cy="0"/>
+        </a:xfrm>
+      </p:grpSpPr>
+      <p:sp>
+        <p:nvSpPr>
+          <p:cNvPr id="132" name="Google Shape;132;g3176dadabf3_3_0:notes"/>
+          <p:cNvSpPr/>
+          <p:nvPr>
+            <p:ph idx="2" type="sldImg"/>
+          </p:nvPr>
+        </p:nvSpPr>
+        <p:spPr>
+          <a:xfrm>
+            <a:off x="381300" y="685800"/>
+            <a:ext cx="6096000" cy="3429000"/>
+          </a:xfrm>
+          <a:custGeom>
+            <a:rect b="b" l="l" r="r" t="t"/>
+            <a:pathLst>
+              <a:path extrusionOk="0" h="120000" w="120000">
+                <a:moveTo>
+                  <a:pt x="0" y="0"/>
+                </a:moveTo>
+                <a:lnTo>
+                  <a:pt x="120000" y="0"/>
+                </a:lnTo>
+                <a:lnTo>
+                  <a:pt x="120000" y="120000"/>
+                </a:lnTo>
+                <a:lnTo>
+                  <a:pt x="0" y="120000"/>
+                </a:lnTo>
+                <a:close/>
+              </a:path>
+            </a:pathLst>
+          </a:custGeom>
+        </p:spPr>
+      </p:sp>
+      <p:sp>
+        <p:nvSpPr>
+          <p:cNvPr id="133" name="Google Shape;133;g3176dadabf3_3_0:notes"/>
+          <p:cNvSpPr txBox="1"/>
+          <p:nvPr>
+            <p:ph idx="1" type="body"/>
+          </p:nvPr>
+        </p:nvSpPr>
+        <p:spPr>
+          <a:xfrm>
+            <a:off x="685800" y="4343400"/>
+            <a:ext cx="5486400" cy="4114800"/>
+          </a:xfrm>
+          <a:prstGeom prst="rect">
+            <a:avLst/>
+          </a:prstGeom>
+        </p:spPr>
+        <p:txBody>
+          <a:bodyPr anchorCtr="0" anchor="t" bIns="91425" lIns="91425" spcFirstLastPara="1" rIns="91425" wrap="square" tIns="91425">
+            <a:noAutofit/>
+          </a:bodyPr>
+          <a:lstStyle/>
+          <a:p>
+            <a:pPr indent="0" lvl="0" marL="0" rtl="0" algn="l">
+              <a:spcBef>
+                <a:spcPts val="0"/>
+              </a:spcBef>
+              <a:spcAft>
+                <a:spcPts val="0"/>
+              </a:spcAft>
+              <a:buNone/>
+            </a:pPr>
+            <a:r>
+              <a:t/>
+            </a:r>
+            <a:endParaRPr/>
           </a:p>
         </p:txBody>
       </p:sp>
@@ -8362,7 +8462,7 @@
                   <a:schemeClr val="dk1"/>
                 </a:solidFill>
               </a:rPr>
-              <a:t>Data indicates 7 “treatment deserts” in the US</a:t>
+              <a:t>Data indicates 6 “treatment deserts” in the US</a:t>
             </a:r>
             <a:endParaRPr>
               <a:solidFill>
@@ -8519,6 +8619,87 @@
           </a:p>
         </p:txBody>
       </p:sp>
+    </p:spTree>
+  </p:cSld>
+  <p:clrMapOvr>
+    <a:masterClrMapping/>
+  </p:clrMapOvr>
+</p:sld>
+</file>
+
+<file path=ppt/slides/slide12.xml><?xml version="1.0" encoding="utf-8"?>
+<p:sld xmlns:a="http://schemas.openxmlformats.org/drawingml/2006/main" xmlns:r="http://schemas.openxmlformats.org/officeDocument/2006/relationships" xmlns:mc="http://schemas.openxmlformats.org/markup-compatibility/2006" xmlns:mv="urn:schemas-microsoft-com:mac:vml" xmlns:p="http://schemas.openxmlformats.org/presentationml/2006/main" xmlns:c="http://schemas.openxmlformats.org/drawingml/2006/chart" xmlns:dgm="http://schemas.openxmlformats.org/drawingml/2006/diagram" xmlns:o="urn:schemas-microsoft-com:office:office" xmlns:v="urn:schemas-microsoft-com:vml" xmlns:pvml="urn:schemas-microsoft-com:office:powerpoint" xmlns:com="http://schemas.openxmlformats.org/drawingml/2006/compatibility" xmlns:p14="http://schemas.microsoft.com/office/powerpoint/2010/main" xmlns:p15="http://schemas.microsoft.com/office/powerpoint/2012/main" xmlns:ahyp="http://schemas.microsoft.com/office/drawing/2018/hyperlinkcolor">
+  <p:cSld>
+    <p:spTree>
+      <p:nvGrpSpPr>
+        <p:cNvPr id="134" name="Shape 134"/>
+        <p:cNvGrpSpPr/>
+        <p:nvPr/>
+      </p:nvGrpSpPr>
+      <p:grpSpPr>
+        <a:xfrm>
+          <a:off x="0" y="0"/>
+          <a:ext cx="0" cy="0"/>
+          <a:chOff x="0" y="0"/>
+          <a:chExt cx="0" cy="0"/>
+        </a:xfrm>
+      </p:grpSpPr>
+      <p:pic>
+        <p:nvPicPr>
+          <p:cNvPr id="135" name="Google Shape;135;p24"/>
+          <p:cNvPicPr preferRelativeResize="0"/>
+          <p:nvPr/>
+        </p:nvPicPr>
+        <p:blipFill>
+          <a:blip r:embed="rId3">
+            <a:alphaModFix/>
+          </a:blip>
+          <a:stretch>
+            <a:fillRect/>
+          </a:stretch>
+        </p:blipFill>
+        <p:spPr>
+          <a:xfrm>
+            <a:off x="100375" y="189100"/>
+            <a:ext cx="3729275" cy="2095375"/>
+          </a:xfrm>
+          <a:prstGeom prst="rect">
+            <a:avLst/>
+          </a:prstGeom>
+          <a:noFill/>
+          <a:ln>
+            <a:noFill/>
+          </a:ln>
+        </p:spPr>
+      </p:pic>
+      <p:pic>
+        <p:nvPicPr>
+          <p:cNvPr id="136" name="Google Shape;136;p24"/>
+          <p:cNvPicPr preferRelativeResize="0"/>
+          <p:nvPr/>
+        </p:nvPicPr>
+        <p:blipFill>
+          <a:blip r:embed="rId4">
+            <a:alphaModFix/>
+          </a:blip>
+          <a:stretch>
+            <a:fillRect/>
+          </a:stretch>
+        </p:blipFill>
+        <p:spPr>
+          <a:xfrm>
+            <a:off x="4878729" y="2284475"/>
+            <a:ext cx="3558321" cy="2214975"/>
+          </a:xfrm>
+          <a:prstGeom prst="rect">
+            <a:avLst/>
+          </a:prstGeom>
+          <a:noFill/>
+          <a:ln>
+            <a:noFill/>
+          </a:ln>
+        </p:spPr>
+      </p:pic>
     </p:spTree>
   </p:cSld>
   <p:clrMapOvr>
@@ -10318,7 +10499,7 @@
                   <a:schemeClr val="lt1"/>
                 </a:solidFill>
               </a:rPr>
-              <a:t>Total Cases vs. Treatment Centers Capacity Per States</a:t>
+              <a:t>Total Cases vs. Treatment Centers Capacity Per State</a:t>
             </a:r>
             <a:endParaRPr>
               <a:solidFill>
@@ -10328,36 +10509,9 @@
           </a:p>
         </p:txBody>
       </p:sp>
-      <p:pic>
-        <p:nvPicPr>
-          <p:cNvPr id="88" name="Google Shape;88;p17"/>
-          <p:cNvPicPr preferRelativeResize="0"/>
-          <p:nvPr/>
-        </p:nvPicPr>
-        <p:blipFill rotWithShape="1">
-          <a:blip r:embed="rId3">
-            <a:alphaModFix/>
-          </a:blip>
-          <a:srcRect b="0" l="0" r="0" t="4888"/>
-          <a:stretch/>
-        </p:blipFill>
-        <p:spPr>
-          <a:xfrm>
-            <a:off x="205400" y="1017725"/>
-            <a:ext cx="6248200" cy="3692974"/>
-          </a:xfrm>
-          <a:prstGeom prst="rect">
-            <a:avLst/>
-          </a:prstGeom>
-          <a:noFill/>
-          <a:ln>
-            <a:noFill/>
-          </a:ln>
-        </p:spPr>
-      </p:pic>
       <p:sp>
         <p:nvSpPr>
-          <p:cNvPr id="89" name="Google Shape;89;p17"/>
+          <p:cNvPr id="88" name="Google Shape;88;p17"/>
           <p:cNvSpPr/>
           <p:nvPr/>
         </p:nvSpPr>
@@ -10659,6 +10813,33 @@
           </a:p>
         </p:txBody>
       </p:sp>
+      <p:pic>
+        <p:nvPicPr>
+          <p:cNvPr id="89" name="Google Shape;89;p17"/>
+          <p:cNvPicPr preferRelativeResize="0"/>
+          <p:nvPr/>
+        </p:nvPicPr>
+        <p:blipFill rotWithShape="1">
+          <a:blip r:embed="rId3">
+            <a:alphaModFix/>
+          </a:blip>
+          <a:srcRect b="0" l="0" r="-563" t="4825"/>
+          <a:stretch/>
+        </p:blipFill>
+        <p:spPr>
+          <a:xfrm>
+            <a:off x="152400" y="1062250"/>
+            <a:ext cx="6235049" cy="3667225"/>
+          </a:xfrm>
+          <a:prstGeom prst="rect">
+            <a:avLst/>
+          </a:prstGeom>
+          <a:noFill/>
+          <a:ln>
+            <a:noFill/>
+          </a:ln>
+        </p:spPr>
+      </p:pic>
     </p:spTree>
   </p:cSld>
   <p:clrMapOvr>
